--- a/assets/lectures/cbw/2024/full/RNASeq_Module1_IntrotoRNA.pptx
+++ b/assets/lectures/cbw/2024/full/RNASeq_Module1_IntrotoRNA.pptx
@@ -284,7 +284,7 @@
               <a:pPr>
                 <a:defRPr/>
               </a:pPr>
-              <a:t>7/16/23</a:t>
+              <a:t>6/16/24</a:t>
             </a:fld>
             <a:endParaRPr lang="en-US"/>
           </a:p>
@@ -491,7 +491,7 @@
               <a:pPr>
                 <a:defRPr/>
               </a:pPr>
-              <a:t>7/16/23</a:t>
+              <a:t>6/16/24</a:t>
             </a:fld>
             <a:endParaRPr lang="en-US"/>
           </a:p>
@@ -977,14 +977,14 @@
           <a:noFill/>
           <a:extLst>
             <a:ext uri="{909E8E84-426E-40dd-AFC4-6F175D3DCCD1}">
-              <a14:hiddenFill xmlns:a14="http://schemas.microsoft.com/office/drawing/2010/main" xmlns="">
+              <a14:hiddenFill xmlns="" xmlns:a14="http://schemas.microsoft.com/office/drawing/2010/main">
                 <a:solidFill>
                   <a:srgbClr val="FFFFFF"/>
                 </a:solidFill>
               </a14:hiddenFill>
             </a:ext>
             <a:ext uri="{91240B29-F687-4f45-9708-019B960494DF}">
-              <a14:hiddenLine xmlns:a14="http://schemas.microsoft.com/office/drawing/2010/main" xmlns="" w="9525">
+              <a14:hiddenLine xmlns="" xmlns:a14="http://schemas.microsoft.com/office/drawing/2010/main" w="9525">
                 <a:solidFill>
                   <a:srgbClr val="000000"/>
                 </a:solidFill>
@@ -1148,7 +1148,7 @@
           </a:ln>
           <a:extLst>
             <a:ext uri="{FAA26D3D-D897-4be2-8F04-BA451C77F1D7}">
-              <ma14:placeholderFlag xmlns:ma14="http://schemas.microsoft.com/office/mac/drawingml/2011/main" xmlns="" val="1"/>
+              <ma14:placeholderFlag xmlns="" xmlns:ma14="http://schemas.microsoft.com/office/mac/drawingml/2011/main" val="1"/>
             </a:ext>
           </a:extLst>
         </p:spPr>
@@ -1177,7 +1177,7 @@
           </a:ln>
           <a:extLst>
             <a:ext uri="{FAA26D3D-D897-4be2-8F04-BA451C77F1D7}">
-              <ma14:placeholderFlag xmlns:ma14="http://schemas.microsoft.com/office/mac/drawingml/2011/main" xmlns="" val="1"/>
+              <ma14:placeholderFlag xmlns="" xmlns:ma14="http://schemas.microsoft.com/office/mac/drawingml/2011/main" val="1"/>
             </a:ext>
           </a:extLst>
         </p:spPr>
@@ -1242,14 +1242,14 @@
           <a:noFill/>
           <a:extLst>
             <a:ext uri="{909E8E84-426E-40dd-AFC4-6F175D3DCCD1}">
-              <a14:hiddenFill xmlns:a14="http://schemas.microsoft.com/office/drawing/2010/main" xmlns="">
+              <a14:hiddenFill xmlns="" xmlns:a14="http://schemas.microsoft.com/office/drawing/2010/main">
                 <a:solidFill>
                   <a:srgbClr val="FFFFFF"/>
                 </a:solidFill>
               </a14:hiddenFill>
             </a:ext>
             <a:ext uri="{91240B29-F687-4f45-9708-019B960494DF}">
-              <a14:hiddenLine xmlns:a14="http://schemas.microsoft.com/office/drawing/2010/main" xmlns="" w="9525">
+              <a14:hiddenLine xmlns="" xmlns:a14="http://schemas.microsoft.com/office/drawing/2010/main" w="9525">
                 <a:solidFill>
                   <a:srgbClr val="000000"/>
                 </a:solidFill>
@@ -1413,7 +1413,7 @@
           </a:ln>
           <a:extLst>
             <a:ext uri="{FAA26D3D-D897-4be2-8F04-BA451C77F1D7}">
-              <ma14:placeholderFlag xmlns:ma14="http://schemas.microsoft.com/office/mac/drawingml/2011/main" xmlns="" val="1"/>
+              <ma14:placeholderFlag xmlns="" xmlns:ma14="http://schemas.microsoft.com/office/mac/drawingml/2011/main" val="1"/>
             </a:ext>
           </a:extLst>
         </p:spPr>
@@ -1442,7 +1442,7 @@
           </a:ln>
           <a:extLst>
             <a:ext uri="{FAA26D3D-D897-4be2-8F04-BA451C77F1D7}">
-              <ma14:placeholderFlag xmlns:ma14="http://schemas.microsoft.com/office/mac/drawingml/2011/main" xmlns="" val="1"/>
+              <ma14:placeholderFlag xmlns="" xmlns:ma14="http://schemas.microsoft.com/office/mac/drawingml/2011/main" val="1"/>
             </a:ext>
           </a:extLst>
         </p:spPr>
@@ -2577,14 +2577,14 @@
           </a:ln>
           <a:extLst>
             <a:ext uri="{909E8E84-426E-40dd-AFC4-6F175D3DCCD1}">
-              <a14:hiddenFill xmlns:a14="http://schemas.microsoft.com/office/drawing/2010/main" xmlns="">
+              <a14:hiddenFill xmlns="" xmlns:a14="http://schemas.microsoft.com/office/drawing/2010/main">
                 <a:solidFill>
                   <a:srgbClr val="FFFFFF"/>
                 </a:solidFill>
               </a14:hiddenFill>
             </a:ext>
             <a:ext uri="{FAA26D3D-D897-4be2-8F04-BA451C77F1D7}">
-              <ma14:placeholderFlag xmlns:ma14="http://schemas.microsoft.com/office/mac/drawingml/2011/main" xmlns="" val="1"/>
+              <ma14:placeholderFlag xmlns="" xmlns:ma14="http://schemas.microsoft.com/office/mac/drawingml/2011/main" val="1"/>
             </a:ext>
           </a:extLst>
         </p:spPr>
@@ -2603,14 +2603,14 @@
           <a:noFill/>
           <a:extLst>
             <a:ext uri="{909E8E84-426E-40dd-AFC4-6F175D3DCCD1}">
-              <a14:hiddenFill xmlns:a14="http://schemas.microsoft.com/office/drawing/2010/main" xmlns="">
+              <a14:hiddenFill xmlns="" xmlns:a14="http://schemas.microsoft.com/office/drawing/2010/main">
                 <a:solidFill>
                   <a:srgbClr val="FFFFFF"/>
                 </a:solidFill>
               </a14:hiddenFill>
             </a:ext>
             <a:ext uri="{91240B29-F687-4f45-9708-019B960494DF}">
-              <a14:hiddenLine xmlns:a14="http://schemas.microsoft.com/office/drawing/2010/main" xmlns="" w="9525">
+              <a14:hiddenLine xmlns="" xmlns:a14="http://schemas.microsoft.com/office/drawing/2010/main" w="9525">
                 <a:solidFill>
                   <a:srgbClr val="000000"/>
                 </a:solidFill>
@@ -2620,7 +2620,7 @@
               </a14:hiddenLine>
             </a:ext>
             <a:ext uri="{FAA26D3D-D897-4be2-8F04-BA451C77F1D7}">
-              <ma14:placeholderFlag xmlns:ma14="http://schemas.microsoft.com/office/mac/drawingml/2011/main" xmlns="" val="1"/>
+              <ma14:placeholderFlag xmlns="" xmlns:ma14="http://schemas.microsoft.com/office/mac/drawingml/2011/main" val="1"/>
             </a:ext>
           </a:extLst>
         </p:spPr>
@@ -2654,14 +2654,14 @@
           <a:noFill/>
           <a:extLst>
             <a:ext uri="{909E8E84-426E-40dd-AFC4-6F175D3DCCD1}">
-              <a14:hiddenFill xmlns:a14="http://schemas.microsoft.com/office/drawing/2010/main" xmlns="">
+              <a14:hiddenFill xmlns="" xmlns:a14="http://schemas.microsoft.com/office/drawing/2010/main">
                 <a:solidFill>
                   <a:srgbClr val="FFFFFF"/>
                 </a:solidFill>
               </a14:hiddenFill>
             </a:ext>
             <a:ext uri="{91240B29-F687-4f45-9708-019B960494DF}">
-              <a14:hiddenLine xmlns:a14="http://schemas.microsoft.com/office/drawing/2010/main" xmlns="" w="9525">
+              <a14:hiddenLine xmlns="" xmlns:a14="http://schemas.microsoft.com/office/drawing/2010/main" w="9525">
                 <a:solidFill>
                   <a:srgbClr val="000000"/>
                 </a:solidFill>
@@ -2841,14 +2841,14 @@
           <a:noFill/>
           <a:extLst>
             <a:ext uri="{909E8E84-426E-40dd-AFC4-6F175D3DCCD1}">
-              <a14:hiddenFill xmlns:a14="http://schemas.microsoft.com/office/drawing/2010/main" xmlns="">
+              <a14:hiddenFill xmlns="" xmlns:a14="http://schemas.microsoft.com/office/drawing/2010/main">
                 <a:solidFill>
                   <a:srgbClr val="FFFFFF"/>
                 </a:solidFill>
               </a14:hiddenFill>
             </a:ext>
             <a:ext uri="{91240B29-F687-4f45-9708-019B960494DF}">
-              <a14:hiddenLine xmlns:a14="http://schemas.microsoft.com/office/drawing/2010/main" xmlns="" w="9525">
+              <a14:hiddenLine xmlns="" xmlns:a14="http://schemas.microsoft.com/office/drawing/2010/main" w="9525">
                 <a:solidFill>
                   <a:srgbClr val="000000"/>
                 </a:solidFill>
@@ -3012,7 +3012,7 @@
           </a:ln>
           <a:extLst>
             <a:ext uri="{FAA26D3D-D897-4be2-8F04-BA451C77F1D7}">
-              <ma14:placeholderFlag xmlns:ma14="http://schemas.microsoft.com/office/mac/drawingml/2011/main" xmlns="" val="1"/>
+              <ma14:placeholderFlag xmlns="" xmlns:ma14="http://schemas.microsoft.com/office/mac/drawingml/2011/main" val="1"/>
             </a:ext>
           </a:extLst>
         </p:spPr>
@@ -3041,7 +3041,7 @@
           </a:ln>
           <a:extLst>
             <a:ext uri="{FAA26D3D-D897-4be2-8F04-BA451C77F1D7}">
-              <ma14:placeholderFlag xmlns:ma14="http://schemas.microsoft.com/office/mac/drawingml/2011/main" xmlns="" val="1"/>
+              <ma14:placeholderFlag xmlns="" xmlns:ma14="http://schemas.microsoft.com/office/mac/drawingml/2011/main" val="1"/>
             </a:ext>
           </a:extLst>
         </p:spPr>
@@ -3106,14 +3106,14 @@
           <a:noFill/>
           <a:extLst>
             <a:ext uri="{909E8E84-426E-40dd-AFC4-6F175D3DCCD1}">
-              <a14:hiddenFill xmlns:a14="http://schemas.microsoft.com/office/drawing/2010/main" xmlns="">
+              <a14:hiddenFill xmlns="" xmlns:a14="http://schemas.microsoft.com/office/drawing/2010/main">
                 <a:solidFill>
                   <a:srgbClr val="FFFFFF"/>
                 </a:solidFill>
               </a14:hiddenFill>
             </a:ext>
             <a:ext uri="{91240B29-F687-4f45-9708-019B960494DF}">
-              <a14:hiddenLine xmlns:a14="http://schemas.microsoft.com/office/drawing/2010/main" xmlns="" w="9525">
+              <a14:hiddenLine xmlns="" xmlns:a14="http://schemas.microsoft.com/office/drawing/2010/main" w="9525">
                 <a:solidFill>
                   <a:srgbClr val="000000"/>
                 </a:solidFill>
@@ -3277,7 +3277,7 @@
           </a:ln>
           <a:extLst>
             <a:ext uri="{FAA26D3D-D897-4be2-8F04-BA451C77F1D7}">
-              <ma14:placeholderFlag xmlns:ma14="http://schemas.microsoft.com/office/mac/drawingml/2011/main" xmlns="" val="1"/>
+              <ma14:placeholderFlag xmlns="" xmlns:ma14="http://schemas.microsoft.com/office/mac/drawingml/2011/main" val="1"/>
             </a:ext>
           </a:extLst>
         </p:spPr>
@@ -3306,7 +3306,7 @@
           </a:ln>
           <a:extLst>
             <a:ext uri="{FAA26D3D-D897-4be2-8F04-BA451C77F1D7}">
-              <ma14:placeholderFlag xmlns:ma14="http://schemas.microsoft.com/office/mac/drawingml/2011/main" xmlns="" val="1"/>
+              <ma14:placeholderFlag xmlns="" xmlns:ma14="http://schemas.microsoft.com/office/mac/drawingml/2011/main" val="1"/>
             </a:ext>
           </a:extLst>
         </p:spPr>
@@ -3478,14 +3478,14 @@
           <a:noFill/>
           <a:extLst>
             <a:ext uri="{909E8E84-426E-40dd-AFC4-6F175D3DCCD1}">
-              <a14:hiddenFill xmlns:a14="http://schemas.microsoft.com/office/drawing/2010/main" xmlns="">
+              <a14:hiddenFill xmlns="" xmlns:a14="http://schemas.microsoft.com/office/drawing/2010/main">
                 <a:solidFill>
                   <a:srgbClr val="FFFFFF"/>
                 </a:solidFill>
               </a14:hiddenFill>
             </a:ext>
             <a:ext uri="{91240B29-F687-4f45-9708-019B960494DF}">
-              <a14:hiddenLine xmlns:a14="http://schemas.microsoft.com/office/drawing/2010/main" xmlns="" w="9525">
+              <a14:hiddenLine xmlns="" xmlns:a14="http://schemas.microsoft.com/office/drawing/2010/main" w="9525">
                 <a:solidFill>
                   <a:srgbClr val="000000"/>
                 </a:solidFill>
@@ -3649,7 +3649,7 @@
           </a:ln>
           <a:extLst>
             <a:ext uri="{FAA26D3D-D897-4be2-8F04-BA451C77F1D7}">
-              <ma14:placeholderFlag xmlns:ma14="http://schemas.microsoft.com/office/mac/drawingml/2011/main" xmlns="" val="1"/>
+              <ma14:placeholderFlag xmlns="" xmlns:ma14="http://schemas.microsoft.com/office/mac/drawingml/2011/main" val="1"/>
             </a:ext>
           </a:extLst>
         </p:spPr>
@@ -3678,7 +3678,7 @@
           </a:ln>
           <a:extLst>
             <a:ext uri="{FAA26D3D-D897-4be2-8F04-BA451C77F1D7}">
-              <ma14:placeholderFlag xmlns:ma14="http://schemas.microsoft.com/office/mac/drawingml/2011/main" xmlns="" val="1"/>
+              <ma14:placeholderFlag xmlns="" xmlns:ma14="http://schemas.microsoft.com/office/mac/drawingml/2011/main" val="1"/>
             </a:ext>
           </a:extLst>
         </p:spPr>
@@ -4690,14 +4690,14 @@
           </a:ln>
           <a:extLst>
             <a:ext uri="{909E8E84-426E-40dd-AFC4-6F175D3DCCD1}">
-              <a14:hiddenFill xmlns:a14="http://schemas.microsoft.com/office/drawing/2010/main" xmlns="">
+              <a14:hiddenFill xmlns="" xmlns:a14="http://schemas.microsoft.com/office/drawing/2010/main">
                 <a:solidFill>
                   <a:srgbClr val="FFFFFF"/>
                 </a:solidFill>
               </a14:hiddenFill>
             </a:ext>
             <a:ext uri="{91240B29-F687-4f45-9708-019B960494DF}">
-              <a14:hiddenLine xmlns:a14="http://schemas.microsoft.com/office/drawing/2010/main" xmlns="" w="9525">
+              <a14:hiddenLine xmlns="" xmlns:a14="http://schemas.microsoft.com/office/drawing/2010/main" w="9525">
                 <a:solidFill>
                   <a:srgbClr val="000000"/>
                 </a:solidFill>
@@ -5753,7 +5753,7 @@
   <p:clrMapOvr>
     <a:masterClrMapping/>
   </p:clrMapOvr>
-  <p:extLst mod="1">
+  <p:extLst>
     <p:ext uri="{DCECCB84-F9BA-43D5-87BE-67443E8EF086}">
       <p15:sldGuideLst xmlns:p15="http://schemas.microsoft.com/office/powerpoint/2012/main">
         <p15:guide id="1" orient="horz" pos="2160">
@@ -6041,14 +6041,14 @@
           </a:ln>
           <a:extLst>
             <a:ext uri="{909E8E84-426E-40dd-AFC4-6F175D3DCCD1}">
-              <a14:hiddenFill xmlns:a14="http://schemas.microsoft.com/office/drawing/2010/main" xmlns="">
+              <a14:hiddenFill xmlns="" xmlns:a14="http://schemas.microsoft.com/office/drawing/2010/main">
                 <a:solidFill>
                   <a:srgbClr val="FFFFFF"/>
                 </a:solidFill>
               </a14:hiddenFill>
             </a:ext>
             <a:ext uri="{91240B29-F687-4f45-9708-019B960494DF}">
-              <a14:hiddenLine xmlns:a14="http://schemas.microsoft.com/office/drawing/2010/main" xmlns="" w="9525">
+              <a14:hiddenLine xmlns="" xmlns:a14="http://schemas.microsoft.com/office/drawing/2010/main" w="9525">
                 <a:solidFill>
                   <a:srgbClr val="000000"/>
                 </a:solidFill>
@@ -6058,7 +6058,7 @@
               </a14:hiddenLine>
             </a:ext>
             <a:ext uri="{FAA26D3D-D897-4be2-8F04-BA451C77F1D7}">
-              <ma14:placeholderFlag xmlns:ma14="http://schemas.microsoft.com/office/mac/drawingml/2011/main" xmlns="" val="1"/>
+              <ma14:placeholderFlag xmlns="" xmlns:ma14="http://schemas.microsoft.com/office/mac/drawingml/2011/main" val="1"/>
             </a:ext>
           </a:extLst>
         </p:spPr>
@@ -6102,14 +6102,14 @@
           </a:ln>
           <a:extLst>
             <a:ext uri="{909E8E84-426E-40dd-AFC4-6F175D3DCCD1}">
-              <a14:hiddenFill xmlns:a14="http://schemas.microsoft.com/office/drawing/2010/main" xmlns="">
+              <a14:hiddenFill xmlns="" xmlns:a14="http://schemas.microsoft.com/office/drawing/2010/main">
                 <a:solidFill>
                   <a:srgbClr val="FFFFFF"/>
                 </a:solidFill>
               </a14:hiddenFill>
             </a:ext>
             <a:ext uri="{91240B29-F687-4f45-9708-019B960494DF}">
-              <a14:hiddenLine xmlns:a14="http://schemas.microsoft.com/office/drawing/2010/main" xmlns="" w="9525">
+              <a14:hiddenLine xmlns="" xmlns:a14="http://schemas.microsoft.com/office/drawing/2010/main" w="9525">
                 <a:solidFill>
                   <a:srgbClr val="000000"/>
                 </a:solidFill>
@@ -6119,7 +6119,7 @@
               </a14:hiddenLine>
             </a:ext>
             <a:ext uri="{FAA26D3D-D897-4be2-8F04-BA451C77F1D7}">
-              <ma14:placeholderFlag xmlns:ma14="http://schemas.microsoft.com/office/mac/drawingml/2011/main" xmlns="" val="1"/>
+              <ma14:placeholderFlag xmlns="" xmlns:ma14="http://schemas.microsoft.com/office/mac/drawingml/2011/main" val="1"/>
             </a:ext>
           </a:extLst>
         </p:spPr>
@@ -6255,14 +6255,14 @@
           </a:ln>
           <a:extLst>
             <a:ext uri="{909E8E84-426E-40dd-AFC4-6F175D3DCCD1}">
-              <a14:hiddenFill xmlns:a14="http://schemas.microsoft.com/office/drawing/2010/main" xmlns="">
+              <a14:hiddenFill xmlns="" xmlns:a14="http://schemas.microsoft.com/office/drawing/2010/main">
                 <a:solidFill>
                   <a:srgbClr val="FFFFFF"/>
                 </a:solidFill>
               </a14:hiddenFill>
             </a:ext>
             <a:ext uri="{91240B29-F687-4f45-9708-019B960494DF}">
-              <a14:hiddenLine xmlns:a14="http://schemas.microsoft.com/office/drawing/2010/main" xmlns="" w="9525">
+              <a14:hiddenLine xmlns="" xmlns:a14="http://schemas.microsoft.com/office/drawing/2010/main" w="9525">
                 <a:solidFill>
                   <a:srgbClr val="000000"/>
                 </a:solidFill>
@@ -7847,7 +7847,7 @@
         </p:blipFill>
         <p:spPr>
           <a:xfrm>
-            <a:off x="1775521" y="1052737"/>
+            <a:off x="1775521" y="692696"/>
             <a:ext cx="4143053" cy="4468027"/>
           </a:xfrm>
           <a:prstGeom prst="rect">
@@ -7876,7 +7876,7 @@
         </p:blipFill>
         <p:spPr>
           <a:xfrm>
-            <a:off x="6168009" y="2132857"/>
+            <a:off x="6168009" y="1772816"/>
             <a:ext cx="4143053" cy="2361921"/>
           </a:xfrm>
           <a:prstGeom prst="rect">
@@ -7884,6 +7884,52 @@
           </a:prstGeom>
         </p:spPr>
       </p:pic>
+      <p:sp>
+        <p:nvSpPr>
+          <p:cNvPr id="2" name="TextBox 1">
+            <a:extLst>
+              <a:ext uri="{FF2B5EF4-FFF2-40B4-BE49-F238E27FC236}">
+                <a16:creationId xmlns:a16="http://schemas.microsoft.com/office/drawing/2014/main" id="{F2E1A5FE-BA94-47BF-CA7B-F99BF463AE51}"/>
+              </a:ext>
+            </a:extLst>
+          </p:cNvPr>
+          <p:cNvSpPr txBox="1"/>
+          <p:nvPr/>
+        </p:nvSpPr>
+        <p:spPr>
+          <a:xfrm>
+            <a:off x="1280518" y="5301208"/>
+            <a:ext cx="9207970" cy="830997"/>
+          </a:xfrm>
+          <a:prstGeom prst="rect">
+            <a:avLst/>
+          </a:prstGeom>
+          <a:noFill/>
+        </p:spPr>
+        <p:txBody>
+          <a:bodyPr wrap="none" rtlCol="0">
+            <a:spAutoFit/>
+          </a:bodyPr>
+          <a:lstStyle/>
+          <a:p>
+            <a:pPr algn="ctr"/>
+            <a:r>
+              <a:rPr lang="en-US" dirty="0">
+                <a:hlinkClick r:id="rId4"/>
+              </a:rPr>
+              <a:t>https://rnabio.org/module-09-appendix/0009/12/01/StrandSettings/</a:t>
+            </a:r>
+            <a:endParaRPr lang="en-US" dirty="0"/>
+          </a:p>
+          <a:p>
+            <a:pPr algn="ctr"/>
+            <a:r>
+              <a:rPr lang="en-US" dirty="0"/>
+              <a:t>(detailed discussion and cheat sheet)</a:t>
+            </a:r>
+          </a:p>
+        </p:txBody>
+      </p:sp>
     </p:spTree>
     <p:extLst>
       <p:ext uri="{BB962C8B-B14F-4D97-AF65-F5344CB8AC3E}">
@@ -8134,14 +8180,14 @@
           </a:ln>
           <a:extLst>
             <a:ext uri="{909E8E84-426E-40dd-AFC4-6F175D3DCCD1}">
-              <a14:hiddenFill xmlns:a14="http://schemas.microsoft.com/office/drawing/2010/main" xmlns="">
+              <a14:hiddenFill xmlns="" xmlns:a14="http://schemas.microsoft.com/office/drawing/2010/main">
                 <a:solidFill>
                   <a:srgbClr val="FFFFFF"/>
                 </a:solidFill>
               </a14:hiddenFill>
             </a:ext>
             <a:ext uri="{91240B29-F687-4f45-9708-019B960494DF}">
-              <a14:hiddenLine xmlns:a14="http://schemas.microsoft.com/office/drawing/2010/main" xmlns="" w="9525">
+              <a14:hiddenLine xmlns="" xmlns:a14="http://schemas.microsoft.com/office/drawing/2010/main" w="9525">
                 <a:solidFill>
                   <a:srgbClr val="000000"/>
                 </a:solidFill>
@@ -9690,14 +9736,14 @@
           </a:ln>
           <a:extLst>
             <a:ext uri="{909E8E84-426E-40dd-AFC4-6F175D3DCCD1}">
-              <a14:hiddenFill xmlns:a14="http://schemas.microsoft.com/office/drawing/2010/main" xmlns="">
+              <a14:hiddenFill xmlns="" xmlns:a14="http://schemas.microsoft.com/office/drawing/2010/main">
                 <a:solidFill>
                   <a:srgbClr val="FFFFFF"/>
                 </a:solidFill>
               </a14:hiddenFill>
             </a:ext>
             <a:ext uri="{91240B29-F687-4f45-9708-019B960494DF}">
-              <a14:hiddenLine xmlns:a14="http://schemas.microsoft.com/office/drawing/2010/main" xmlns="" w="9525">
+              <a14:hiddenLine xmlns="" xmlns:a14="http://schemas.microsoft.com/office/drawing/2010/main" w="9525">
                 <a:solidFill>
                   <a:srgbClr val="000000"/>
                 </a:solidFill>
@@ -10167,14 +10213,14 @@
           </a:ln>
           <a:extLst>
             <a:ext uri="{909E8E84-426E-40dd-AFC4-6F175D3DCCD1}">
-              <a14:hiddenFill xmlns:a14="http://schemas.microsoft.com/office/drawing/2010/main" xmlns="">
+              <a14:hiddenFill xmlns="" xmlns:a14="http://schemas.microsoft.com/office/drawing/2010/main">
                 <a:solidFill>
                   <a:srgbClr val="FFFFFF"/>
                 </a:solidFill>
               </a14:hiddenFill>
             </a:ext>
             <a:ext uri="{91240B29-F687-4f45-9708-019B960494DF}">
-              <a14:hiddenLine xmlns:a14="http://schemas.microsoft.com/office/drawing/2010/main" xmlns="" w="9525">
+              <a14:hiddenLine xmlns="" xmlns:a14="http://schemas.microsoft.com/office/drawing/2010/main" w="9525">
                 <a:solidFill>
                   <a:srgbClr val="000000"/>
                 </a:solidFill>
@@ -10388,14 +10434,14 @@
           </a:ln>
           <a:extLst>
             <a:ext uri="{909E8E84-426E-40dd-AFC4-6F175D3DCCD1}">
-              <a14:hiddenFill xmlns="" xmlns:a14="http://schemas.microsoft.com/office/drawing/2010/main">
+              <a14:hiddenFill xmlns:a14="http://schemas.microsoft.com/office/drawing/2010/main" xmlns="">
                 <a:solidFill>
                   <a:srgbClr val="FFFFFF"/>
                 </a:solidFill>
               </a14:hiddenFill>
             </a:ext>
             <a:ext uri="{91240B29-F687-4f45-9708-019B960494DF}">
-              <a14:hiddenLine xmlns="" xmlns:a14="http://schemas.microsoft.com/office/drawing/2010/main" w="9525">
+              <a14:hiddenLine xmlns:a14="http://schemas.microsoft.com/office/drawing/2010/main" xmlns="" w="9525">
                 <a:solidFill>
                   <a:srgbClr val="000000"/>
                 </a:solidFill>
@@ -10487,8 +10533,42 @@
                 <a:latin typeface="Calibri"/>
                 <a:cs typeface="Calibri"/>
               </a:rPr>
-              <a:t>Obi Griffith and Malachi Griffith  </a:t>
-            </a:r>
+              <a:t>Malachi Griffith, Obi Griffith, Isabel </a:t>
+            </a:r>
+            <a:r>
+              <a:rPr lang="en-US" sz="1800" dirty="0" err="1">
+                <a:latin typeface="Calibri"/>
+                <a:cs typeface="Calibri"/>
+              </a:rPr>
+              <a:t>Risch</a:t>
+            </a:r>
+            <a:r>
+              <a:rPr lang="en-US" sz="1800" dirty="0">
+                <a:latin typeface="Calibri"/>
+                <a:cs typeface="Calibri"/>
+              </a:rPr>
+              <a:t>, Vida </a:t>
+            </a:r>
+            <a:r>
+              <a:rPr lang="en-US" sz="1800" dirty="0" err="1">
+                <a:latin typeface="Calibri"/>
+                <a:cs typeface="Calibri"/>
+              </a:rPr>
+              <a:t>Talebian</a:t>
+            </a:r>
+            <a:endParaRPr lang="en-US" sz="1800" dirty="0">
+              <a:latin typeface="Calibri"/>
+              <a:cs typeface="Calibri"/>
+            </a:endParaRPr>
+          </a:p>
+          <a:p>
+            <a:pPr>
+              <a:defRPr/>
+            </a:pPr>
+            <a:endParaRPr lang="en-US" sz="1800" dirty="0">
+              <a:latin typeface="Calibri"/>
+              <a:cs typeface="Calibri"/>
+            </a:endParaRPr>
           </a:p>
           <a:p>
             <a:pPr>
@@ -10506,35 +10586,7 @@
                 <a:latin typeface="Calibri"/>
                 <a:cs typeface="Calibri"/>
               </a:rPr>
-              <a:t>RNA-</a:t>
-            </a:r>
-            <a:r>
-              <a:rPr lang="en-US" sz="1800" dirty="0" err="1">
-                <a:ln w="1270">
-                  <a:solidFill>
-                    <a:schemeClr val="tx1">
-                      <a:alpha val="38000"/>
-                    </a:schemeClr>
-                  </a:solidFill>
-                </a:ln>
-                <a:latin typeface="Calibri"/>
-                <a:cs typeface="Calibri"/>
-              </a:rPr>
-              <a:t>seq</a:t>
-            </a:r>
-            <a:r>
-              <a:rPr lang="en-US" sz="1800" dirty="0">
-                <a:ln w="1270">
-                  <a:solidFill>
-                    <a:schemeClr val="tx1">
-                      <a:alpha val="38000"/>
-                    </a:schemeClr>
-                  </a:solidFill>
-                </a:ln>
-                <a:latin typeface="Calibri"/>
-                <a:cs typeface="Calibri"/>
-              </a:rPr>
-              <a:t> Analysis 2023. </a:t>
+              <a:t>RNA-seq Analysis 2024. </a:t>
             </a:r>
             <a:r>
               <a:rPr lang="en-US" sz="1600" dirty="0">
@@ -10548,7 +10600,7 @@
                 <a:latin typeface="Calibri"/>
                 <a:cs typeface="Calibri"/>
               </a:rPr>
-              <a:t>July 17-19, 2023</a:t>
+              <a:t>June 17-19, 2024</a:t>
             </a:r>
           </a:p>
         </p:txBody>
@@ -11642,14 +11694,14 @@
           </a:ln>
           <a:extLst>
             <a:ext uri="{909E8E84-426E-40dd-AFC4-6F175D3DCCD1}">
-              <a14:hiddenFill xmlns:a14="http://schemas.microsoft.com/office/drawing/2010/main" xmlns="">
+              <a14:hiddenFill xmlns="" xmlns:a14="http://schemas.microsoft.com/office/drawing/2010/main">
                 <a:solidFill>
                   <a:srgbClr val="FFFFFF"/>
                 </a:solidFill>
               </a14:hiddenFill>
             </a:ext>
             <a:ext uri="{91240B29-F687-4f45-9708-019B960494DF}">
-              <a14:hiddenLine xmlns:a14="http://schemas.microsoft.com/office/drawing/2010/main" xmlns="" w="9525">
+              <a14:hiddenLine xmlns="" xmlns:a14="http://schemas.microsoft.com/office/drawing/2010/main" w="9525">
                 <a:solidFill>
                   <a:srgbClr val="000000"/>
                 </a:solidFill>
@@ -11696,14 +11748,14 @@
           </a:ln>
           <a:extLst>
             <a:ext uri="{909E8E84-426E-40dd-AFC4-6F175D3DCCD1}">
-              <a14:hiddenFill xmlns:a14="http://schemas.microsoft.com/office/drawing/2010/main" xmlns="">
+              <a14:hiddenFill xmlns="" xmlns:a14="http://schemas.microsoft.com/office/drawing/2010/main">
                 <a:solidFill>
                   <a:srgbClr val="FFFFFF"/>
                 </a:solidFill>
               </a14:hiddenFill>
             </a:ext>
             <a:ext uri="{91240B29-F687-4f45-9708-019B960494DF}">
-              <a14:hiddenLine xmlns:a14="http://schemas.microsoft.com/office/drawing/2010/main" xmlns="" w="9525">
+              <a14:hiddenLine xmlns="" xmlns:a14="http://schemas.microsoft.com/office/drawing/2010/main" w="9525">
                 <a:solidFill>
                   <a:srgbClr val="000000"/>
                 </a:solidFill>
@@ -11737,14 +11789,14 @@
           </a:ln>
           <a:extLst>
             <a:ext uri="{909E8E84-426E-40dd-AFC4-6F175D3DCCD1}">
-              <a14:hiddenFill xmlns:a14="http://schemas.microsoft.com/office/drawing/2010/main" xmlns="">
+              <a14:hiddenFill xmlns="" xmlns:a14="http://schemas.microsoft.com/office/drawing/2010/main">
                 <a:solidFill>
                   <a:srgbClr val="FFFFFF"/>
                 </a:solidFill>
               </a14:hiddenFill>
             </a:ext>
             <a:ext uri="{91240B29-F687-4f45-9708-019B960494DF}">
-              <a14:hiddenLine xmlns:a14="http://schemas.microsoft.com/office/drawing/2010/main" xmlns="" w="9525">
+              <a14:hiddenLine xmlns="" xmlns:a14="http://schemas.microsoft.com/office/drawing/2010/main" w="9525">
                 <a:solidFill>
                   <a:srgbClr val="000000"/>
                 </a:solidFill>
@@ -11898,14 +11950,14 @@
           </a:ln>
           <a:extLst>
             <a:ext uri="{909E8E84-426E-40dd-AFC4-6F175D3DCCD1}">
-              <a14:hiddenFill xmlns:a14="http://schemas.microsoft.com/office/drawing/2010/main" xmlns="">
+              <a14:hiddenFill xmlns="" xmlns:a14="http://schemas.microsoft.com/office/drawing/2010/main">
                 <a:solidFill>
                   <a:srgbClr val="FFFFFF"/>
                 </a:solidFill>
               </a14:hiddenFill>
             </a:ext>
             <a:ext uri="{91240B29-F687-4f45-9708-019B960494DF}">
-              <a14:hiddenLine xmlns:a14="http://schemas.microsoft.com/office/drawing/2010/main" xmlns="" w="9525">
+              <a14:hiddenLine xmlns="" xmlns:a14="http://schemas.microsoft.com/office/drawing/2010/main" w="9525">
                 <a:solidFill>
                   <a:srgbClr val="000000"/>
                 </a:solidFill>

--- a/assets/lectures/cbw/2024/full/RNASeq_Module1_IntrotoRNA.pptx
+++ b/assets/lectures/cbw/2024/full/RNASeq_Module1_IntrotoRNA.pptx
@@ -9380,7 +9380,13 @@
       </p:grpSpPr>
       <p:pic>
         <p:nvPicPr>
-          <p:cNvPr id="75" name="Google Shape;75;p2" descr="Picture 1.png"/>
+          <p:cNvPr id="2" name="Google Shape;131;p2">
+            <a:extLst>
+              <a:ext uri="{FF2B5EF4-FFF2-40B4-BE49-F238E27FC236}">
+                <a16:creationId xmlns:a16="http://schemas.microsoft.com/office/drawing/2014/main" id="{C568B180-ACAE-81F4-55F7-33C925625B6E}"/>
+              </a:ext>
+            </a:extLst>
+          </p:cNvPr>
           <p:cNvPicPr preferRelativeResize="0"/>
           <p:nvPr/>
         </p:nvPicPr>
@@ -9393,8 +9399,8 @@
         </p:blipFill>
         <p:spPr>
           <a:xfrm>
-            <a:off x="3135984" y="290447"/>
-            <a:ext cx="5920032" cy="5813143"/>
+            <a:off x="4095918" y="260648"/>
+            <a:ext cx="4000165" cy="6003046"/>
           </a:xfrm>
           <a:prstGeom prst="rect">
             <a:avLst/>
@@ -9947,14 +9953,20 @@
       </p:sp>
       <p:sp>
         <p:nvSpPr>
-          <p:cNvPr id="96" name="Google Shape;96;p5"/>
+          <p:cNvPr id="2" name="Google Shape;159;g24c7d206a1c_1_72">
+            <a:extLst>
+              <a:ext uri="{FF2B5EF4-FFF2-40B4-BE49-F238E27FC236}">
+                <a16:creationId xmlns:a16="http://schemas.microsoft.com/office/drawing/2014/main" id="{EF70C3FC-5789-BFFF-7525-4B592CA436F1}"/>
+              </a:ext>
+            </a:extLst>
+          </p:cNvPr>
           <p:cNvSpPr txBox="1"/>
           <p:nvPr/>
         </p:nvSpPr>
         <p:spPr>
           <a:xfrm>
             <a:off x="2117124" y="3832139"/>
-            <a:ext cx="7951574" cy="300082"/>
+            <a:ext cx="7951500" cy="300000"/>
           </a:xfrm>
           <a:prstGeom prst="rect">
             <a:avLst/>
@@ -9970,11 +9982,25 @@
           </a:bodyPr>
           <a:lstStyle/>
           <a:p>
-            <a:pPr algn="ctr">
+            <a:pPr marL="0" marR="0" lvl="0" indent="0" algn="ctr" rtl="0">
+              <a:lnSpc>
+                <a:spcPct val="100000"/>
+              </a:lnSpc>
+              <a:spcBef>
+                <a:spcPts val="0"/>
+              </a:spcBef>
+              <a:spcAft>
+                <a:spcPts val="0"/>
+              </a:spcAft>
+              <a:buClr>
+                <a:srgbClr val="000000"/>
+              </a:buClr>
               <a:buSzPts val="1350"/>
+              <a:buFont typeface="Arial"/>
+              <a:buNone/>
             </a:pPr>
             <a:r>
-              <a:rPr lang="en-US" sz="1350" dirty="0">
+              <a:rPr lang="en-US" sz="1350" b="0" i="0" u="none" strike="noStrike" cap="none">
                 <a:solidFill>
                   <a:schemeClr val="dk1"/>
                 </a:solidFill>
@@ -9985,13 +10011,27 @@
               </a:rPr>
               <a:t>Workshop Sponsors:</a:t>
             </a:r>
-            <a:endParaRPr dirty="0"/>
+            <a:endParaRPr sz="1400" b="0" i="0" u="none" strike="noStrike" cap="none">
+              <a:solidFill>
+                <a:srgbClr val="000000"/>
+              </a:solidFill>
+              <a:latin typeface="Arial"/>
+              <a:ea typeface="Arial"/>
+              <a:cs typeface="Arial"/>
+              <a:sym typeface="Arial"/>
+            </a:endParaRPr>
           </a:p>
         </p:txBody>
       </p:sp>
       <p:pic>
         <p:nvPicPr>
-          <p:cNvPr id="97" name="Google Shape;97;p5"/>
+          <p:cNvPr id="4" name="Google Shape;160;g24c7d206a1c_1_72">
+            <a:extLst>
+              <a:ext uri="{FF2B5EF4-FFF2-40B4-BE49-F238E27FC236}">
+                <a16:creationId xmlns:a16="http://schemas.microsoft.com/office/drawing/2014/main" id="{5AF5FA04-96F9-66E9-9DB2-7D04F325F6E3}"/>
+              </a:ext>
+            </a:extLst>
+          </p:cNvPr>
           <p:cNvPicPr preferRelativeResize="0"/>
           <p:nvPr/>
         </p:nvPicPr>
@@ -10004,7 +10044,7 @@
         </p:blipFill>
         <p:spPr>
           <a:xfrm>
-            <a:off x="6883857" y="4479553"/>
+            <a:off x="8025272" y="4403978"/>
             <a:ext cx="1105775" cy="795825"/>
           </a:xfrm>
           <a:prstGeom prst="rect">
@@ -10018,7 +10058,13 @@
       </p:pic>
       <p:pic>
         <p:nvPicPr>
-          <p:cNvPr id="98" name="Google Shape;98;p5"/>
+          <p:cNvPr id="5" name="Google Shape;161;g24c7d206a1c_1_72">
+            <a:extLst>
+              <a:ext uri="{FF2B5EF4-FFF2-40B4-BE49-F238E27FC236}">
+                <a16:creationId xmlns:a16="http://schemas.microsoft.com/office/drawing/2014/main" id="{BC83246F-5A07-900A-5239-59A96A9B3804}"/>
+              </a:ext>
+            </a:extLst>
+          </p:cNvPr>
           <p:cNvPicPr preferRelativeResize="0"/>
           <p:nvPr/>
         </p:nvPicPr>
@@ -10031,7 +10077,7 @@
         </p:blipFill>
         <p:spPr>
           <a:xfrm>
-            <a:off x="1919536" y="4645705"/>
+            <a:off x="3060951" y="4570130"/>
             <a:ext cx="2085975" cy="590550"/>
           </a:xfrm>
           <a:prstGeom prst="rect">
@@ -10045,7 +10091,13 @@
       </p:pic>
       <p:pic>
         <p:nvPicPr>
-          <p:cNvPr id="100" name="Google Shape;100;p5"/>
+          <p:cNvPr id="6" name="Google Shape;162;g24c7d206a1c_1_72">
+            <a:extLst>
+              <a:ext uri="{FF2B5EF4-FFF2-40B4-BE49-F238E27FC236}">
+                <a16:creationId xmlns:a16="http://schemas.microsoft.com/office/drawing/2014/main" id="{248CD98D-0E3D-D7EA-F555-54215B706BBC}"/>
+              </a:ext>
+            </a:extLst>
+          </p:cNvPr>
           <p:cNvPicPr preferRelativeResize="0"/>
           <p:nvPr/>
         </p:nvPicPr>
@@ -10058,7 +10110,7 @@
         </p:blipFill>
         <p:spPr>
           <a:xfrm>
-            <a:off x="4566755" y="4319015"/>
+            <a:off x="5708169" y="4243440"/>
             <a:ext cx="1869300" cy="1243925"/>
           </a:xfrm>
           <a:prstGeom prst="rect">
@@ -10072,32 +10124,68 @@
       </p:pic>
       <p:pic>
         <p:nvPicPr>
-          <p:cNvPr id="3" name="Picture 2" descr="A picture containing graphical user interface&#10;&#10;Description automatically generated">
+          <p:cNvPr id="7" name="Google Shape;163;g24c7d206a1c_1_72" descr="A picture containing graphical user interface&#10;&#10;Description automatically generated">
             <a:extLst>
               <a:ext uri="{FF2B5EF4-FFF2-40B4-BE49-F238E27FC236}">
-                <a16:creationId xmlns:a16="http://schemas.microsoft.com/office/drawing/2014/main" id="{21E37FBC-10DF-AEEF-153F-C90C3686ED97}"/>
+                <a16:creationId xmlns:a16="http://schemas.microsoft.com/office/drawing/2014/main" id="{E18DD981-F5FF-6EB4-5EAA-E81744B45847}"/>
               </a:ext>
             </a:extLst>
           </p:cNvPr>
-          <p:cNvPicPr>
-            <a:picLocks noChangeAspect="1"/>
-          </p:cNvPicPr>
+          <p:cNvPicPr preferRelativeResize="0"/>
           <p:nvPr/>
         </p:nvPicPr>
-        <p:blipFill>
-          <a:blip r:embed="rId6"/>
-          <a:stretch>
-            <a:fillRect/>
-          </a:stretch>
+        <p:blipFill rotWithShape="1">
+          <a:blip r:embed="rId6">
+            <a:alphaModFix/>
+          </a:blip>
+          <a:srcRect/>
+          <a:stretch/>
         </p:blipFill>
         <p:spPr>
           <a:xfrm>
-            <a:off x="8735693" y="4529349"/>
+            <a:off x="6502657" y="5353037"/>
             <a:ext cx="1143000" cy="685800"/>
           </a:xfrm>
           <a:prstGeom prst="rect">
             <a:avLst/>
           </a:prstGeom>
+          <a:noFill/>
+          <a:ln>
+            <a:noFill/>
+          </a:ln>
+        </p:spPr>
+      </p:pic>
+      <p:pic>
+        <p:nvPicPr>
+          <p:cNvPr id="8" name="Google Shape;164;g24c7d206a1c_1_72">
+            <a:extLst>
+              <a:ext uri="{FF2B5EF4-FFF2-40B4-BE49-F238E27FC236}">
+                <a16:creationId xmlns:a16="http://schemas.microsoft.com/office/drawing/2014/main" id="{A31C32B3-1C56-6360-9FDB-B2E0CD776701}"/>
+              </a:ext>
+            </a:extLst>
+          </p:cNvPr>
+          <p:cNvPicPr preferRelativeResize="0"/>
+          <p:nvPr/>
+        </p:nvPicPr>
+        <p:blipFill rotWithShape="1">
+          <a:blip r:embed="rId7">
+            <a:alphaModFix/>
+          </a:blip>
+          <a:srcRect/>
+          <a:stretch/>
+        </p:blipFill>
+        <p:spPr>
+          <a:xfrm>
+            <a:off x="4546337" y="5426596"/>
+            <a:ext cx="1311749" cy="538675"/>
+          </a:xfrm>
+          <a:prstGeom prst="rect">
+            <a:avLst/>
+          </a:prstGeom>
+          <a:noFill/>
+          <a:ln>
+            <a:noFill/>
+          </a:ln>
         </p:spPr>
       </p:pic>
     </p:spTree>

--- a/assets/lectures/cbw/2024/full/RNASeq_Module1_IntrotoRNA.pptx
+++ b/assets/lectures/cbw/2024/full/RNASeq_Module1_IntrotoRNA.pptx
@@ -284,7 +284,7 @@
               <a:pPr>
                 <a:defRPr/>
               </a:pPr>
-              <a:t>6/16/24</a:t>
+              <a:t>6/17/24</a:t>
             </a:fld>
             <a:endParaRPr lang="en-US"/>
           </a:p>
@@ -491,7 +491,7 @@
               <a:pPr>
                 <a:defRPr/>
               </a:pPr>
-              <a:t>6/16/24</a:t>
+              <a:t>6/17/24</a:t>
             </a:fld>
             <a:endParaRPr lang="en-US"/>
           </a:p>
@@ -977,14 +977,14 @@
           <a:noFill/>
           <a:extLst>
             <a:ext uri="{909E8E84-426E-40dd-AFC4-6F175D3DCCD1}">
-              <a14:hiddenFill xmlns="" xmlns:a14="http://schemas.microsoft.com/office/drawing/2010/main">
+              <a14:hiddenFill xmlns:a14="http://schemas.microsoft.com/office/drawing/2010/main" xmlns="">
                 <a:solidFill>
                   <a:srgbClr val="FFFFFF"/>
                 </a:solidFill>
               </a14:hiddenFill>
             </a:ext>
             <a:ext uri="{91240B29-F687-4f45-9708-019B960494DF}">
-              <a14:hiddenLine xmlns="" xmlns:a14="http://schemas.microsoft.com/office/drawing/2010/main" w="9525">
+              <a14:hiddenLine xmlns:a14="http://schemas.microsoft.com/office/drawing/2010/main" xmlns="" w="9525">
                 <a:solidFill>
                   <a:srgbClr val="000000"/>
                 </a:solidFill>
@@ -1148,7 +1148,7 @@
           </a:ln>
           <a:extLst>
             <a:ext uri="{FAA26D3D-D897-4be2-8F04-BA451C77F1D7}">
-              <ma14:placeholderFlag xmlns="" xmlns:ma14="http://schemas.microsoft.com/office/mac/drawingml/2011/main" val="1"/>
+              <ma14:placeholderFlag xmlns:ma14="http://schemas.microsoft.com/office/mac/drawingml/2011/main" xmlns="" val="1"/>
             </a:ext>
           </a:extLst>
         </p:spPr>
@@ -1177,7 +1177,7 @@
           </a:ln>
           <a:extLst>
             <a:ext uri="{FAA26D3D-D897-4be2-8F04-BA451C77F1D7}">
-              <ma14:placeholderFlag xmlns="" xmlns:ma14="http://schemas.microsoft.com/office/mac/drawingml/2011/main" val="1"/>
+              <ma14:placeholderFlag xmlns:ma14="http://schemas.microsoft.com/office/mac/drawingml/2011/main" xmlns="" val="1"/>
             </a:ext>
           </a:extLst>
         </p:spPr>
@@ -1242,14 +1242,14 @@
           <a:noFill/>
           <a:extLst>
             <a:ext uri="{909E8E84-426E-40dd-AFC4-6F175D3DCCD1}">
-              <a14:hiddenFill xmlns="" xmlns:a14="http://schemas.microsoft.com/office/drawing/2010/main">
+              <a14:hiddenFill xmlns:a14="http://schemas.microsoft.com/office/drawing/2010/main" xmlns="">
                 <a:solidFill>
                   <a:srgbClr val="FFFFFF"/>
                 </a:solidFill>
               </a14:hiddenFill>
             </a:ext>
             <a:ext uri="{91240B29-F687-4f45-9708-019B960494DF}">
-              <a14:hiddenLine xmlns="" xmlns:a14="http://schemas.microsoft.com/office/drawing/2010/main" w="9525">
+              <a14:hiddenLine xmlns:a14="http://schemas.microsoft.com/office/drawing/2010/main" xmlns="" w="9525">
                 <a:solidFill>
                   <a:srgbClr val="000000"/>
                 </a:solidFill>
@@ -1413,7 +1413,7 @@
           </a:ln>
           <a:extLst>
             <a:ext uri="{FAA26D3D-D897-4be2-8F04-BA451C77F1D7}">
-              <ma14:placeholderFlag xmlns="" xmlns:ma14="http://schemas.microsoft.com/office/mac/drawingml/2011/main" val="1"/>
+              <ma14:placeholderFlag xmlns:ma14="http://schemas.microsoft.com/office/mac/drawingml/2011/main" xmlns="" val="1"/>
             </a:ext>
           </a:extLst>
         </p:spPr>
@@ -1442,7 +1442,7 @@
           </a:ln>
           <a:extLst>
             <a:ext uri="{FAA26D3D-D897-4be2-8F04-BA451C77F1D7}">
-              <ma14:placeholderFlag xmlns="" xmlns:ma14="http://schemas.microsoft.com/office/mac/drawingml/2011/main" val="1"/>
+              <ma14:placeholderFlag xmlns:ma14="http://schemas.microsoft.com/office/mac/drawingml/2011/main" xmlns="" val="1"/>
             </a:ext>
           </a:extLst>
         </p:spPr>
@@ -2577,14 +2577,14 @@
           </a:ln>
           <a:extLst>
             <a:ext uri="{909E8E84-426E-40dd-AFC4-6F175D3DCCD1}">
-              <a14:hiddenFill xmlns="" xmlns:a14="http://schemas.microsoft.com/office/drawing/2010/main">
+              <a14:hiddenFill xmlns:a14="http://schemas.microsoft.com/office/drawing/2010/main" xmlns="">
                 <a:solidFill>
                   <a:srgbClr val="FFFFFF"/>
                 </a:solidFill>
               </a14:hiddenFill>
             </a:ext>
             <a:ext uri="{FAA26D3D-D897-4be2-8F04-BA451C77F1D7}">
-              <ma14:placeholderFlag xmlns="" xmlns:ma14="http://schemas.microsoft.com/office/mac/drawingml/2011/main" val="1"/>
+              <ma14:placeholderFlag xmlns:ma14="http://schemas.microsoft.com/office/mac/drawingml/2011/main" xmlns="" val="1"/>
             </a:ext>
           </a:extLst>
         </p:spPr>
@@ -2603,14 +2603,14 @@
           <a:noFill/>
           <a:extLst>
             <a:ext uri="{909E8E84-426E-40dd-AFC4-6F175D3DCCD1}">
-              <a14:hiddenFill xmlns="" xmlns:a14="http://schemas.microsoft.com/office/drawing/2010/main">
+              <a14:hiddenFill xmlns:a14="http://schemas.microsoft.com/office/drawing/2010/main" xmlns="">
                 <a:solidFill>
                   <a:srgbClr val="FFFFFF"/>
                 </a:solidFill>
               </a14:hiddenFill>
             </a:ext>
             <a:ext uri="{91240B29-F687-4f45-9708-019B960494DF}">
-              <a14:hiddenLine xmlns="" xmlns:a14="http://schemas.microsoft.com/office/drawing/2010/main" w="9525">
+              <a14:hiddenLine xmlns:a14="http://schemas.microsoft.com/office/drawing/2010/main" xmlns="" w="9525">
                 <a:solidFill>
                   <a:srgbClr val="000000"/>
                 </a:solidFill>
@@ -2620,7 +2620,7 @@
               </a14:hiddenLine>
             </a:ext>
             <a:ext uri="{FAA26D3D-D897-4be2-8F04-BA451C77F1D7}">
-              <ma14:placeholderFlag xmlns="" xmlns:ma14="http://schemas.microsoft.com/office/mac/drawingml/2011/main" val="1"/>
+              <ma14:placeholderFlag xmlns:ma14="http://schemas.microsoft.com/office/mac/drawingml/2011/main" xmlns="" val="1"/>
             </a:ext>
           </a:extLst>
         </p:spPr>
@@ -2654,14 +2654,14 @@
           <a:noFill/>
           <a:extLst>
             <a:ext uri="{909E8E84-426E-40dd-AFC4-6F175D3DCCD1}">
-              <a14:hiddenFill xmlns="" xmlns:a14="http://schemas.microsoft.com/office/drawing/2010/main">
+              <a14:hiddenFill xmlns:a14="http://schemas.microsoft.com/office/drawing/2010/main" xmlns="">
                 <a:solidFill>
                   <a:srgbClr val="FFFFFF"/>
                 </a:solidFill>
               </a14:hiddenFill>
             </a:ext>
             <a:ext uri="{91240B29-F687-4f45-9708-019B960494DF}">
-              <a14:hiddenLine xmlns="" xmlns:a14="http://schemas.microsoft.com/office/drawing/2010/main" w="9525">
+              <a14:hiddenLine xmlns:a14="http://schemas.microsoft.com/office/drawing/2010/main" xmlns="" w="9525">
                 <a:solidFill>
                   <a:srgbClr val="000000"/>
                 </a:solidFill>
@@ -2841,14 +2841,14 @@
           <a:noFill/>
           <a:extLst>
             <a:ext uri="{909E8E84-426E-40dd-AFC4-6F175D3DCCD1}">
-              <a14:hiddenFill xmlns="" xmlns:a14="http://schemas.microsoft.com/office/drawing/2010/main">
+              <a14:hiddenFill xmlns:a14="http://schemas.microsoft.com/office/drawing/2010/main" xmlns="">
                 <a:solidFill>
                   <a:srgbClr val="FFFFFF"/>
                 </a:solidFill>
               </a14:hiddenFill>
             </a:ext>
             <a:ext uri="{91240B29-F687-4f45-9708-019B960494DF}">
-              <a14:hiddenLine xmlns="" xmlns:a14="http://schemas.microsoft.com/office/drawing/2010/main" w="9525">
+              <a14:hiddenLine xmlns:a14="http://schemas.microsoft.com/office/drawing/2010/main" xmlns="" w="9525">
                 <a:solidFill>
                   <a:srgbClr val="000000"/>
                 </a:solidFill>
@@ -3012,7 +3012,7 @@
           </a:ln>
           <a:extLst>
             <a:ext uri="{FAA26D3D-D897-4be2-8F04-BA451C77F1D7}">
-              <ma14:placeholderFlag xmlns="" xmlns:ma14="http://schemas.microsoft.com/office/mac/drawingml/2011/main" val="1"/>
+              <ma14:placeholderFlag xmlns:ma14="http://schemas.microsoft.com/office/mac/drawingml/2011/main" xmlns="" val="1"/>
             </a:ext>
           </a:extLst>
         </p:spPr>
@@ -3041,7 +3041,7 @@
           </a:ln>
           <a:extLst>
             <a:ext uri="{FAA26D3D-D897-4be2-8F04-BA451C77F1D7}">
-              <ma14:placeholderFlag xmlns="" xmlns:ma14="http://schemas.microsoft.com/office/mac/drawingml/2011/main" val="1"/>
+              <ma14:placeholderFlag xmlns:ma14="http://schemas.microsoft.com/office/mac/drawingml/2011/main" xmlns="" val="1"/>
             </a:ext>
           </a:extLst>
         </p:spPr>
@@ -3106,14 +3106,14 @@
           <a:noFill/>
           <a:extLst>
             <a:ext uri="{909E8E84-426E-40dd-AFC4-6F175D3DCCD1}">
-              <a14:hiddenFill xmlns="" xmlns:a14="http://schemas.microsoft.com/office/drawing/2010/main">
+              <a14:hiddenFill xmlns:a14="http://schemas.microsoft.com/office/drawing/2010/main" xmlns="">
                 <a:solidFill>
                   <a:srgbClr val="FFFFFF"/>
                 </a:solidFill>
               </a14:hiddenFill>
             </a:ext>
             <a:ext uri="{91240B29-F687-4f45-9708-019B960494DF}">
-              <a14:hiddenLine xmlns="" xmlns:a14="http://schemas.microsoft.com/office/drawing/2010/main" w="9525">
+              <a14:hiddenLine xmlns:a14="http://schemas.microsoft.com/office/drawing/2010/main" xmlns="" w="9525">
                 <a:solidFill>
                   <a:srgbClr val="000000"/>
                 </a:solidFill>
@@ -3277,7 +3277,7 @@
           </a:ln>
           <a:extLst>
             <a:ext uri="{FAA26D3D-D897-4be2-8F04-BA451C77F1D7}">
-              <ma14:placeholderFlag xmlns="" xmlns:ma14="http://schemas.microsoft.com/office/mac/drawingml/2011/main" val="1"/>
+              <ma14:placeholderFlag xmlns:ma14="http://schemas.microsoft.com/office/mac/drawingml/2011/main" xmlns="" val="1"/>
             </a:ext>
           </a:extLst>
         </p:spPr>
@@ -3306,7 +3306,7 @@
           </a:ln>
           <a:extLst>
             <a:ext uri="{FAA26D3D-D897-4be2-8F04-BA451C77F1D7}">
-              <ma14:placeholderFlag xmlns="" xmlns:ma14="http://schemas.microsoft.com/office/mac/drawingml/2011/main" val="1"/>
+              <ma14:placeholderFlag xmlns:ma14="http://schemas.microsoft.com/office/mac/drawingml/2011/main" xmlns="" val="1"/>
             </a:ext>
           </a:extLst>
         </p:spPr>
@@ -3478,14 +3478,14 @@
           <a:noFill/>
           <a:extLst>
             <a:ext uri="{909E8E84-426E-40dd-AFC4-6F175D3DCCD1}">
-              <a14:hiddenFill xmlns="" xmlns:a14="http://schemas.microsoft.com/office/drawing/2010/main">
+              <a14:hiddenFill xmlns:a14="http://schemas.microsoft.com/office/drawing/2010/main" xmlns="">
                 <a:solidFill>
                   <a:srgbClr val="FFFFFF"/>
                 </a:solidFill>
               </a14:hiddenFill>
             </a:ext>
             <a:ext uri="{91240B29-F687-4f45-9708-019B960494DF}">
-              <a14:hiddenLine xmlns="" xmlns:a14="http://schemas.microsoft.com/office/drawing/2010/main" w="9525">
+              <a14:hiddenLine xmlns:a14="http://schemas.microsoft.com/office/drawing/2010/main" xmlns="" w="9525">
                 <a:solidFill>
                   <a:srgbClr val="000000"/>
                 </a:solidFill>
@@ -3649,7 +3649,7 @@
           </a:ln>
           <a:extLst>
             <a:ext uri="{FAA26D3D-D897-4be2-8F04-BA451C77F1D7}">
-              <ma14:placeholderFlag xmlns="" xmlns:ma14="http://schemas.microsoft.com/office/mac/drawingml/2011/main" val="1"/>
+              <ma14:placeholderFlag xmlns:ma14="http://schemas.microsoft.com/office/mac/drawingml/2011/main" xmlns="" val="1"/>
             </a:ext>
           </a:extLst>
         </p:spPr>
@@ -3678,7 +3678,7 @@
           </a:ln>
           <a:extLst>
             <a:ext uri="{FAA26D3D-D897-4be2-8F04-BA451C77F1D7}">
-              <ma14:placeholderFlag xmlns="" xmlns:ma14="http://schemas.microsoft.com/office/mac/drawingml/2011/main" val="1"/>
+              <ma14:placeholderFlag xmlns:ma14="http://schemas.microsoft.com/office/mac/drawingml/2011/main" xmlns="" val="1"/>
             </a:ext>
           </a:extLst>
         </p:spPr>
@@ -4690,14 +4690,14 @@
           </a:ln>
           <a:extLst>
             <a:ext uri="{909E8E84-426E-40dd-AFC4-6F175D3DCCD1}">
-              <a14:hiddenFill xmlns="" xmlns:a14="http://schemas.microsoft.com/office/drawing/2010/main">
+              <a14:hiddenFill xmlns:a14="http://schemas.microsoft.com/office/drawing/2010/main" xmlns="">
                 <a:solidFill>
                   <a:srgbClr val="FFFFFF"/>
                 </a:solidFill>
               </a14:hiddenFill>
             </a:ext>
             <a:ext uri="{91240B29-F687-4f45-9708-019B960494DF}">
-              <a14:hiddenLine xmlns="" xmlns:a14="http://schemas.microsoft.com/office/drawing/2010/main" w="9525">
+              <a14:hiddenLine xmlns:a14="http://schemas.microsoft.com/office/drawing/2010/main" xmlns="" w="9525">
                 <a:solidFill>
                   <a:srgbClr val="000000"/>
                 </a:solidFill>
@@ -6041,14 +6041,14 @@
           </a:ln>
           <a:extLst>
             <a:ext uri="{909E8E84-426E-40dd-AFC4-6F175D3DCCD1}">
-              <a14:hiddenFill xmlns="" xmlns:a14="http://schemas.microsoft.com/office/drawing/2010/main">
+              <a14:hiddenFill xmlns:a14="http://schemas.microsoft.com/office/drawing/2010/main" xmlns="">
                 <a:solidFill>
                   <a:srgbClr val="FFFFFF"/>
                 </a:solidFill>
               </a14:hiddenFill>
             </a:ext>
             <a:ext uri="{91240B29-F687-4f45-9708-019B960494DF}">
-              <a14:hiddenLine xmlns="" xmlns:a14="http://schemas.microsoft.com/office/drawing/2010/main" w="9525">
+              <a14:hiddenLine xmlns:a14="http://schemas.microsoft.com/office/drawing/2010/main" xmlns="" w="9525">
                 <a:solidFill>
                   <a:srgbClr val="000000"/>
                 </a:solidFill>
@@ -6058,7 +6058,7 @@
               </a14:hiddenLine>
             </a:ext>
             <a:ext uri="{FAA26D3D-D897-4be2-8F04-BA451C77F1D7}">
-              <ma14:placeholderFlag xmlns="" xmlns:ma14="http://schemas.microsoft.com/office/mac/drawingml/2011/main" val="1"/>
+              <ma14:placeholderFlag xmlns:ma14="http://schemas.microsoft.com/office/mac/drawingml/2011/main" xmlns="" val="1"/>
             </a:ext>
           </a:extLst>
         </p:spPr>
@@ -6102,14 +6102,14 @@
           </a:ln>
           <a:extLst>
             <a:ext uri="{909E8E84-426E-40dd-AFC4-6F175D3DCCD1}">
-              <a14:hiddenFill xmlns="" xmlns:a14="http://schemas.microsoft.com/office/drawing/2010/main">
+              <a14:hiddenFill xmlns:a14="http://schemas.microsoft.com/office/drawing/2010/main" xmlns="">
                 <a:solidFill>
                   <a:srgbClr val="FFFFFF"/>
                 </a:solidFill>
               </a14:hiddenFill>
             </a:ext>
             <a:ext uri="{91240B29-F687-4f45-9708-019B960494DF}">
-              <a14:hiddenLine xmlns="" xmlns:a14="http://schemas.microsoft.com/office/drawing/2010/main" w="9525">
+              <a14:hiddenLine xmlns:a14="http://schemas.microsoft.com/office/drawing/2010/main" xmlns="" w="9525">
                 <a:solidFill>
                   <a:srgbClr val="000000"/>
                 </a:solidFill>
@@ -6119,7 +6119,7 @@
               </a14:hiddenLine>
             </a:ext>
             <a:ext uri="{FAA26D3D-D897-4be2-8F04-BA451C77F1D7}">
-              <ma14:placeholderFlag xmlns="" xmlns:ma14="http://schemas.microsoft.com/office/mac/drawingml/2011/main" val="1"/>
+              <ma14:placeholderFlag xmlns:ma14="http://schemas.microsoft.com/office/mac/drawingml/2011/main" xmlns="" val="1"/>
             </a:ext>
           </a:extLst>
         </p:spPr>
@@ -6255,14 +6255,14 @@
           </a:ln>
           <a:extLst>
             <a:ext uri="{909E8E84-426E-40dd-AFC4-6F175D3DCCD1}">
-              <a14:hiddenFill xmlns="" xmlns:a14="http://schemas.microsoft.com/office/drawing/2010/main">
+              <a14:hiddenFill xmlns:a14="http://schemas.microsoft.com/office/drawing/2010/main" xmlns="">
                 <a:solidFill>
                   <a:srgbClr val="FFFFFF"/>
                 </a:solidFill>
               </a14:hiddenFill>
             </a:ext>
             <a:ext uri="{91240B29-F687-4f45-9708-019B960494DF}">
-              <a14:hiddenLine xmlns="" xmlns:a14="http://schemas.microsoft.com/office/drawing/2010/main" w="9525">
+              <a14:hiddenLine xmlns:a14="http://schemas.microsoft.com/office/drawing/2010/main" xmlns="" w="9525">
                 <a:solidFill>
                   <a:srgbClr val="000000"/>
                 </a:solidFill>
@@ -8180,14 +8180,14 @@
           </a:ln>
           <a:extLst>
             <a:ext uri="{909E8E84-426E-40dd-AFC4-6F175D3DCCD1}">
-              <a14:hiddenFill xmlns="" xmlns:a14="http://schemas.microsoft.com/office/drawing/2010/main">
+              <a14:hiddenFill xmlns:a14="http://schemas.microsoft.com/office/drawing/2010/main" xmlns="">
                 <a:solidFill>
                   <a:srgbClr val="FFFFFF"/>
                 </a:solidFill>
               </a14:hiddenFill>
             </a:ext>
             <a:ext uri="{91240B29-F687-4f45-9708-019B960494DF}">
-              <a14:hiddenLine xmlns="" xmlns:a14="http://schemas.microsoft.com/office/drawing/2010/main" w="9525">
+              <a14:hiddenLine xmlns:a14="http://schemas.microsoft.com/office/drawing/2010/main" xmlns="" w="9525">
                 <a:solidFill>
                   <a:srgbClr val="000000"/>
                 </a:solidFill>
@@ -9742,14 +9742,14 @@
           </a:ln>
           <a:extLst>
             <a:ext uri="{909E8E84-426E-40dd-AFC4-6F175D3DCCD1}">
-              <a14:hiddenFill xmlns="" xmlns:a14="http://schemas.microsoft.com/office/drawing/2010/main">
+              <a14:hiddenFill xmlns:a14="http://schemas.microsoft.com/office/drawing/2010/main" xmlns="">
                 <a:solidFill>
                   <a:srgbClr val="FFFFFF"/>
                 </a:solidFill>
               </a14:hiddenFill>
             </a:ext>
             <a:ext uri="{91240B29-F687-4f45-9708-019B960494DF}">
-              <a14:hiddenLine xmlns="" xmlns:a14="http://schemas.microsoft.com/office/drawing/2010/main" w="9525">
+              <a14:hiddenLine xmlns:a14="http://schemas.microsoft.com/office/drawing/2010/main" xmlns="" w="9525">
                 <a:solidFill>
                   <a:srgbClr val="000000"/>
                 </a:solidFill>
@@ -10301,14 +10301,14 @@
           </a:ln>
           <a:extLst>
             <a:ext uri="{909E8E84-426E-40dd-AFC4-6F175D3DCCD1}">
-              <a14:hiddenFill xmlns="" xmlns:a14="http://schemas.microsoft.com/office/drawing/2010/main">
+              <a14:hiddenFill xmlns:a14="http://schemas.microsoft.com/office/drawing/2010/main" xmlns="">
                 <a:solidFill>
                   <a:srgbClr val="FFFFFF"/>
                 </a:solidFill>
               </a14:hiddenFill>
             </a:ext>
             <a:ext uri="{91240B29-F687-4f45-9708-019B960494DF}">
-              <a14:hiddenLine xmlns="" xmlns:a14="http://schemas.microsoft.com/office/drawing/2010/main" w="9525">
+              <a14:hiddenLine xmlns:a14="http://schemas.microsoft.com/office/drawing/2010/main" xmlns="" w="9525">
                 <a:solidFill>
                   <a:srgbClr val="000000"/>
                 </a:solidFill>
@@ -10522,14 +10522,14 @@
           </a:ln>
           <a:extLst>
             <a:ext uri="{909E8E84-426E-40dd-AFC4-6F175D3DCCD1}">
-              <a14:hiddenFill xmlns:a14="http://schemas.microsoft.com/office/drawing/2010/main" xmlns="">
+              <a14:hiddenFill xmlns="" xmlns:a14="http://schemas.microsoft.com/office/drawing/2010/main">
                 <a:solidFill>
                   <a:srgbClr val="FFFFFF"/>
                 </a:solidFill>
               </a14:hiddenFill>
             </a:ext>
             <a:ext uri="{91240B29-F687-4f45-9708-019B960494DF}">
-              <a14:hiddenLine xmlns:a14="http://schemas.microsoft.com/office/drawing/2010/main" xmlns="" w="9525">
+              <a14:hiddenLine xmlns="" xmlns:a14="http://schemas.microsoft.com/office/drawing/2010/main" w="9525">
                 <a:solidFill>
                   <a:srgbClr val="000000"/>
                 </a:solidFill>
@@ -11041,21 +11041,7 @@
                 <a:latin typeface="Calibri" charset="0"/>
                 <a:ea typeface="ＭＳ Ｐゴシック" charset="0"/>
               </a:rPr>
-              <a:t>General goals and themes of RNA-</a:t>
-            </a:r>
-            <a:r>
-              <a:rPr lang="en-US" dirty="0" err="1">
-                <a:latin typeface="Calibri" charset="0"/>
-                <a:ea typeface="ＭＳ Ｐゴシック" charset="0"/>
-              </a:rPr>
-              <a:t>seq</a:t>
-            </a:r>
-            <a:r>
-              <a:rPr lang="en-US" dirty="0">
-                <a:latin typeface="Calibri" charset="0"/>
-                <a:ea typeface="ＭＳ Ｐゴシック" charset="0"/>
-              </a:rPr>
-              <a:t> analysis work flows</a:t>
+              <a:t>General goals and themes of RNA-seq analysis workflows</a:t>
             </a:r>
           </a:p>
           <a:p>
@@ -11782,14 +11768,14 @@
           </a:ln>
           <a:extLst>
             <a:ext uri="{909E8E84-426E-40dd-AFC4-6F175D3DCCD1}">
-              <a14:hiddenFill xmlns="" xmlns:a14="http://schemas.microsoft.com/office/drawing/2010/main">
+              <a14:hiddenFill xmlns:a14="http://schemas.microsoft.com/office/drawing/2010/main" xmlns="">
                 <a:solidFill>
                   <a:srgbClr val="FFFFFF"/>
                 </a:solidFill>
               </a14:hiddenFill>
             </a:ext>
             <a:ext uri="{91240B29-F687-4f45-9708-019B960494DF}">
-              <a14:hiddenLine xmlns="" xmlns:a14="http://schemas.microsoft.com/office/drawing/2010/main" w="9525">
+              <a14:hiddenLine xmlns:a14="http://schemas.microsoft.com/office/drawing/2010/main" xmlns="" w="9525">
                 <a:solidFill>
                   <a:srgbClr val="000000"/>
                 </a:solidFill>
@@ -11836,14 +11822,14 @@
           </a:ln>
           <a:extLst>
             <a:ext uri="{909E8E84-426E-40dd-AFC4-6F175D3DCCD1}">
-              <a14:hiddenFill xmlns="" xmlns:a14="http://schemas.microsoft.com/office/drawing/2010/main">
+              <a14:hiddenFill xmlns:a14="http://schemas.microsoft.com/office/drawing/2010/main" xmlns="">
                 <a:solidFill>
                   <a:srgbClr val="FFFFFF"/>
                 </a:solidFill>
               </a14:hiddenFill>
             </a:ext>
             <a:ext uri="{91240B29-F687-4f45-9708-019B960494DF}">
-              <a14:hiddenLine xmlns="" xmlns:a14="http://schemas.microsoft.com/office/drawing/2010/main" w="9525">
+              <a14:hiddenLine xmlns:a14="http://schemas.microsoft.com/office/drawing/2010/main" xmlns="" w="9525">
                 <a:solidFill>
                   <a:srgbClr val="000000"/>
                 </a:solidFill>
@@ -11877,14 +11863,14 @@
           </a:ln>
           <a:extLst>
             <a:ext uri="{909E8E84-426E-40dd-AFC4-6F175D3DCCD1}">
-              <a14:hiddenFill xmlns="" xmlns:a14="http://schemas.microsoft.com/office/drawing/2010/main">
+              <a14:hiddenFill xmlns:a14="http://schemas.microsoft.com/office/drawing/2010/main" xmlns="">
                 <a:solidFill>
                   <a:srgbClr val="FFFFFF"/>
                 </a:solidFill>
               </a14:hiddenFill>
             </a:ext>
             <a:ext uri="{91240B29-F687-4f45-9708-019B960494DF}">
-              <a14:hiddenLine xmlns="" xmlns:a14="http://schemas.microsoft.com/office/drawing/2010/main" w="9525">
+              <a14:hiddenLine xmlns:a14="http://schemas.microsoft.com/office/drawing/2010/main" xmlns="" w="9525">
                 <a:solidFill>
                   <a:srgbClr val="000000"/>
                 </a:solidFill>
@@ -12038,14 +12024,14 @@
           </a:ln>
           <a:extLst>
             <a:ext uri="{909E8E84-426E-40dd-AFC4-6F175D3DCCD1}">
-              <a14:hiddenFill xmlns="" xmlns:a14="http://schemas.microsoft.com/office/drawing/2010/main">
+              <a14:hiddenFill xmlns:a14="http://schemas.microsoft.com/office/drawing/2010/main" xmlns="">
                 <a:solidFill>
                   <a:srgbClr val="FFFFFF"/>
                 </a:solidFill>
               </a14:hiddenFill>
             </a:ext>
             <a:ext uri="{91240B29-F687-4f45-9708-019B960494DF}">
-              <a14:hiddenLine xmlns="" xmlns:a14="http://schemas.microsoft.com/office/drawing/2010/main" w="9525">
+              <a14:hiddenLine xmlns:a14="http://schemas.microsoft.com/office/drawing/2010/main" xmlns="" w="9525">
                 <a:solidFill>
                   <a:srgbClr val="000000"/>
                 </a:solidFill>

--- a/assets/lectures/cbw/2024/full/RNASeq_Module1_IntrotoRNA.pptx
+++ b/assets/lectures/cbw/2024/full/RNASeq_Module1_IntrotoRNA.pptx
@@ -2141,8 +2141,12 @@
               <a:buChar char="-"/>
             </a:pPr>
             <a:r>
-              <a:rPr lang="en-US" dirty="0"/>
-              <a:t>Support of long read sequencing platforms is in the early stages for the </a:t>
+              <a:rPr lang="en-US"/>
+              <a:t>Support for </a:t>
+            </a:r>
+            <a:r>
+              <a:rPr lang="en-US" dirty="0"/>
+              <a:t>long read sequencing platforms is in the early stages for the </a:t>
             </a:r>
             <a:r>
               <a:rPr lang="en-US" dirty="0" err="1"/>
@@ -9171,6 +9175,58 @@
               <a:rPr lang="en-US" sz="1400" dirty="0"/>
               <a:t>Covered in this course</a:t>
             </a:r>
+          </a:p>
+        </p:txBody>
+      </p:sp>
+      <p:sp>
+        <p:nvSpPr>
+          <p:cNvPr id="4" name="5-Point Star 3">
+            <a:extLst>
+              <a:ext uri="{FF2B5EF4-FFF2-40B4-BE49-F238E27FC236}">
+                <a16:creationId xmlns:a16="http://schemas.microsoft.com/office/drawing/2014/main" id="{9EB312FB-7AF1-F8BF-8801-65842537E0F6}"/>
+              </a:ext>
+            </a:extLst>
+          </p:cNvPr>
+          <p:cNvSpPr/>
+          <p:nvPr/>
+        </p:nvSpPr>
+        <p:spPr>
+          <a:xfrm>
+            <a:off x="3820620" y="4945481"/>
+            <a:ext cx="72008" cy="72008"/>
+          </a:xfrm>
+          <a:prstGeom prst="star5">
+            <a:avLst/>
+          </a:prstGeom>
+          <a:solidFill>
+            <a:schemeClr val="accent2"/>
+          </a:solidFill>
+          <a:ln>
+            <a:noFill/>
+          </a:ln>
+        </p:spPr>
+        <p:style>
+          <a:lnRef idx="2">
+            <a:schemeClr val="accent1">
+              <a:shade val="50000"/>
+            </a:schemeClr>
+          </a:lnRef>
+          <a:fillRef idx="1">
+            <a:schemeClr val="accent1"/>
+          </a:fillRef>
+          <a:effectRef idx="0">
+            <a:schemeClr val="accent1"/>
+          </a:effectRef>
+          <a:fontRef idx="minor">
+            <a:schemeClr val="lt1"/>
+          </a:fontRef>
+        </p:style>
+        <p:txBody>
+          <a:bodyPr rtlCol="0" anchor="ctr"/>
+          <a:lstStyle/>
+          <a:p>
+            <a:pPr algn="ctr"/>
+            <a:endParaRPr lang="en-US"/>
           </a:p>
         </p:txBody>
       </p:sp>
